--- a/LNRS_HACKATHON_2024_v1.pptx
+++ b/LNRS_HACKATHON_2024_v1.pptx
@@ -5,11 +5,14 @@
     <p:sldMasterId id="2147483648" r:id="rId1"/>
   </p:sldMasterIdLst>
   <p:notesMasterIdLst>
-    <p:notesMasterId r:id="rId4"/>
+    <p:notesMasterId r:id="rId7"/>
   </p:notesMasterIdLst>
   <p:sldIdLst>
     <p:sldId id="3460" r:id="rId2"/>
     <p:sldId id="3472" r:id="rId3"/>
+    <p:sldId id="3473" r:id="rId4"/>
+    <p:sldId id="3474" r:id="rId5"/>
+    <p:sldId id="3420" r:id="rId6"/>
   </p:sldIdLst>
   <p:sldSz cx="12192000" cy="6858000"/>
   <p:notesSz cx="6858000" cy="9144000"/>
@@ -5488,6 +5491,180 @@
 </p:sldLayout>
 </file>
 
+<file path=ppt/slideLayouts/slideLayout13.xml><?xml version="1.0" encoding="utf-8"?>
+<p:sldLayout xmlns:a="http://schemas.openxmlformats.org/drawingml/2006/main" xmlns:r="http://schemas.openxmlformats.org/officeDocument/2006/relationships" xmlns:p="http://schemas.openxmlformats.org/presentationml/2006/main" showMasterSp="0" userDrawn="1">
+  <p:cSld name="Closing Slide (If Necessary)">
+    <p:spTree>
+      <p:nvGrpSpPr>
+        <p:cNvPr id="1" name=""/>
+        <p:cNvGrpSpPr/>
+        <p:nvPr/>
+      </p:nvGrpSpPr>
+      <p:grpSpPr>
+        <a:xfrm>
+          <a:off x="0" y="0"/>
+          <a:ext cx="0" cy="0"/>
+          <a:chOff x="0" y="0"/>
+          <a:chExt cx="0" cy="0"/>
+        </a:xfrm>
+      </p:grpSpPr>
+      <p:pic>
+        <p:nvPicPr>
+          <p:cNvPr id="10" name="Picture 9"/>
+          <p:cNvPicPr>
+            <a:picLocks noChangeAspect="1"/>
+          </p:cNvPicPr>
+          <p:nvPr userDrawn="1"/>
+        </p:nvPicPr>
+        <p:blipFill>
+          <a:blip r:embed="rId2" cstate="screen">
+            <a:extLst>
+              <a:ext uri="{BEBA8EAE-BF5A-486C-A8C5-ECC9F3942E4B}">
+                <a14:imgProps xmlns:a14="http://schemas.microsoft.com/office/drawing/2010/main">
+                  <a14:imgLayer r:embed="rId3">
+                    <a14:imgEffect>
+                      <a14:brightnessContrast bright="100000"/>
+                    </a14:imgEffect>
+                  </a14:imgLayer>
+                </a14:imgProps>
+              </a:ext>
+              <a:ext uri="{28A0092B-C50C-407E-A947-70E740481C1C}">
+                <a14:useLocalDpi xmlns:a14="http://schemas.microsoft.com/office/drawing/2010/main"/>
+              </a:ext>
+            </a:extLst>
+          </a:blip>
+          <a:stretch>
+            <a:fillRect/>
+          </a:stretch>
+        </p:blipFill>
+        <p:spPr>
+          <a:xfrm>
+            <a:off x="5463539" y="6481231"/>
+            <a:ext cx="1264923" cy="109728"/>
+          </a:xfrm>
+          <a:prstGeom prst="rect">
+            <a:avLst/>
+          </a:prstGeom>
+        </p:spPr>
+      </p:pic>
+      <p:pic>
+        <p:nvPicPr>
+          <p:cNvPr id="4" name="Picture 3"/>
+          <p:cNvPicPr>
+            <a:picLocks noChangeAspect="1"/>
+          </p:cNvPicPr>
+          <p:nvPr userDrawn="1"/>
+        </p:nvPicPr>
+        <p:blipFill>
+          <a:blip r:embed="rId4">
+            <a:extLst>
+              <a:ext uri="{28A0092B-C50C-407E-A947-70E740481C1C}">
+                <a14:useLocalDpi xmlns:a14="http://schemas.microsoft.com/office/drawing/2010/main"/>
+              </a:ext>
+            </a:extLst>
+          </a:blip>
+          <a:stretch>
+            <a:fillRect/>
+          </a:stretch>
+        </p:blipFill>
+        <p:spPr>
+          <a:xfrm>
+            <a:off x="3973386" y="2587433"/>
+            <a:ext cx="4389564" cy="1319406"/>
+          </a:xfrm>
+          <a:prstGeom prst="rect">
+            <a:avLst/>
+          </a:prstGeom>
+        </p:spPr>
+      </p:pic>
+      <p:sp>
+        <p:nvSpPr>
+          <p:cNvPr id="2" name="TextBox 1">
+            <a:extLst>
+              <a:ext uri="{FF2B5EF4-FFF2-40B4-BE49-F238E27FC236}">
+                <a16:creationId xmlns:a16="http://schemas.microsoft.com/office/drawing/2014/main" id="{F4E5765E-01B4-B134-9FDA-370DDBD0CC9D}"/>
+              </a:ext>
+            </a:extLst>
+          </p:cNvPr>
+          <p:cNvSpPr txBox="1"/>
+          <p:nvPr userDrawn="1"/>
+        </p:nvSpPr>
+        <p:spPr>
+          <a:xfrm>
+            <a:off x="1164771" y="6270171"/>
+            <a:ext cx="9862458" cy="400110"/>
+          </a:xfrm>
+          <a:prstGeom prst="rect">
+            <a:avLst/>
+          </a:prstGeom>
+          <a:noFill/>
+        </p:spPr>
+        <p:txBody>
+          <a:bodyPr wrap="square" rtlCol="0">
+            <a:spAutoFit/>
+          </a:bodyPr>
+          <a:lstStyle/>
+          <a:p>
+            <a:pPr algn="ctr"/>
+            <a:r>
+              <a:rPr lang="en-US" sz="1000" dirty="0">
+                <a:solidFill>
+                  <a:schemeClr val="tx1">
+                    <a:lumMod val="50000"/>
+                    <a:lumOff val="50000"/>
+                  </a:schemeClr>
+                </a:solidFill>
+                <a:ea typeface="Source Sans Pro Light" panose="020B0403030403020204" pitchFamily="34" charset="0"/>
+              </a:rPr>
+              <a:t>LexisNexis and the Knowledge Burst logo are registered trademarks of RELX Inc.</a:t>
+            </a:r>
+          </a:p>
+          <a:p>
+            <a:pPr algn="ctr"/>
+            <a:r>
+              <a:rPr lang="en-US" sz="1000" dirty="0">
+                <a:solidFill>
+                  <a:schemeClr val="tx1">
+                    <a:lumMod val="50000"/>
+                    <a:lumOff val="50000"/>
+                  </a:schemeClr>
+                </a:solidFill>
+                <a:ea typeface="Source Sans Pro Light" panose="020B0403030403020204" pitchFamily="34" charset="0"/>
+              </a:rPr>
+              <a:t>© 2024 LexisNexis Risk Solutions</a:t>
+            </a:r>
+          </a:p>
+        </p:txBody>
+      </p:sp>
+    </p:spTree>
+    <p:extLst>
+      <p:ext uri="{BB962C8B-B14F-4D97-AF65-F5344CB8AC3E}">
+        <p14:creationId xmlns:p14="http://schemas.microsoft.com/office/powerpoint/2010/main" val="4147388929"/>
+      </p:ext>
+    </p:extLst>
+  </p:cSld>
+  <p:clrMapOvr>
+    <a:masterClrMapping/>
+  </p:clrMapOvr>
+  <p:extLst>
+    <p:ext uri="{DCECCB84-F9BA-43D5-87BE-67443E8EF086}">
+      <p15:sldGuideLst xmlns:p15="http://schemas.microsoft.com/office/powerpoint/2012/main">
+        <p15:guide id="1" pos="480">
+          <p15:clr>
+            <a:srgbClr val="FBAE40"/>
+          </p15:clr>
+        </p15:guide>
+        <p15:guide id="2" pos="7200">
+          <p15:clr>
+            <a:srgbClr val="FBAE40"/>
+          </p15:clr>
+        </p15:guide>
+      </p15:sldGuideLst>
+    </p:ext>
+  </p:extLst>
+</p:sldLayout>
+</file>
+
 <file path=ppt/slideLayouts/slideLayout2.xml><?xml version="1.0" encoding="utf-8"?>
 <p:sldLayout xmlns:a="http://schemas.openxmlformats.org/drawingml/2006/main" xmlns:r="http://schemas.openxmlformats.org/officeDocument/2006/relationships" xmlns:p="http://schemas.openxmlformats.org/presentationml/2006/main" type="obj" preserve="1">
   <p:cSld name="Title and Content">
@@ -7791,6 +7968,7 @@
     <p:sldLayoutId id="2147483658" r:id="rId10"/>
     <p:sldLayoutId id="2147483659" r:id="rId11"/>
     <p:sldLayoutId id="2147483660" r:id="rId12"/>
+    <p:sldLayoutId id="2147483661" r:id="rId13"/>
   </p:sldLayoutIdLst>
   <p:txStyles>
     <p:titleStyle>
@@ -9032,6 +9210,332 @@
     <p:extLst>
       <p:ext uri="{BB962C8B-B14F-4D97-AF65-F5344CB8AC3E}">
         <p14:creationId xmlns:p14="http://schemas.microsoft.com/office/powerpoint/2010/main" val="1561482546"/>
+      </p:ext>
+    </p:extLst>
+  </p:cSld>
+  <p:clrMapOvr>
+    <a:masterClrMapping/>
+  </p:clrMapOvr>
+</p:sld>
+</file>
+
+<file path=ppt/slides/slide3.xml><?xml version="1.0" encoding="utf-8"?>
+<p:sld xmlns:a="http://schemas.openxmlformats.org/drawingml/2006/main" xmlns:r="http://schemas.openxmlformats.org/officeDocument/2006/relationships" xmlns:p="http://schemas.openxmlformats.org/presentationml/2006/main">
+  <p:cSld>
+    <p:spTree>
+      <p:nvGrpSpPr>
+        <p:cNvPr id="1" name=""/>
+        <p:cNvGrpSpPr/>
+        <p:nvPr/>
+      </p:nvGrpSpPr>
+      <p:grpSpPr>
+        <a:xfrm>
+          <a:off x="0" y="0"/>
+          <a:ext cx="0" cy="0"/>
+          <a:chOff x="0" y="0"/>
+          <a:chExt cx="0" cy="0"/>
+        </a:xfrm>
+      </p:grpSpPr>
+      <p:sp>
+        <p:nvSpPr>
+          <p:cNvPr id="2" name="Title 1">
+            <a:extLst>
+              <a:ext uri="{FF2B5EF4-FFF2-40B4-BE49-F238E27FC236}">
+                <a16:creationId xmlns:a16="http://schemas.microsoft.com/office/drawing/2014/main" id="{822FFFF6-71EF-C0D3-CB76-C83F4072A992}"/>
+              </a:ext>
+            </a:extLst>
+          </p:cNvPr>
+          <p:cNvSpPr>
+            <a:spLocks noGrp="1"/>
+          </p:cNvSpPr>
+          <p:nvPr>
+            <p:ph type="title"/>
+          </p:nvPr>
+        </p:nvSpPr>
+        <p:spPr/>
+        <p:txBody>
+          <a:bodyPr/>
+          <a:lstStyle/>
+          <a:p>
+            <a:r>
+              <a:rPr lang="en-US" dirty="0"/>
+              <a:t>Model Architecture</a:t>
+            </a:r>
+          </a:p>
+        </p:txBody>
+      </p:sp>
+      <p:pic>
+        <p:nvPicPr>
+          <p:cNvPr id="6" name="Picture Placeholder 5">
+            <a:extLst>
+              <a:ext uri="{FF2B5EF4-FFF2-40B4-BE49-F238E27FC236}">
+                <a16:creationId xmlns:a16="http://schemas.microsoft.com/office/drawing/2014/main" id="{B73CCD5B-2803-D4E7-230B-D6D9EC43A286}"/>
+              </a:ext>
+            </a:extLst>
+          </p:cNvPr>
+          <p:cNvPicPr>
+            <a:picLocks noGrp="1" noChangeAspect="1"/>
+          </p:cNvPicPr>
+          <p:nvPr>
+            <p:ph type="pic" idx="1"/>
+          </p:nvPr>
+        </p:nvPicPr>
+        <p:blipFill>
+          <a:blip r:embed="rId2">
+            <a:extLst>
+              <a:ext uri="{28A0092B-C50C-407E-A947-70E740481C1C}">
+                <a14:useLocalDpi xmlns:a14="http://schemas.microsoft.com/office/drawing/2010/main" val="0"/>
+              </a:ext>
+            </a:extLst>
+          </a:blip>
+          <a:srcRect l="8076" r="8076"/>
+          <a:stretch>
+            <a:fillRect/>
+          </a:stretch>
+        </p:blipFill>
+        <p:spPr/>
+      </p:pic>
+      <p:sp>
+        <p:nvSpPr>
+          <p:cNvPr id="4" name="Text Placeholder 3">
+            <a:extLst>
+              <a:ext uri="{FF2B5EF4-FFF2-40B4-BE49-F238E27FC236}">
+                <a16:creationId xmlns:a16="http://schemas.microsoft.com/office/drawing/2014/main" id="{3BF5DFD2-D4CE-B1FD-DF95-115DFD25F973}"/>
+              </a:ext>
+            </a:extLst>
+          </p:cNvPr>
+          <p:cNvSpPr>
+            <a:spLocks noGrp="1"/>
+          </p:cNvSpPr>
+          <p:nvPr>
+            <p:ph type="body" sz="half" idx="2"/>
+          </p:nvPr>
+        </p:nvSpPr>
+        <p:spPr/>
+        <p:txBody>
+          <a:bodyPr/>
+          <a:lstStyle/>
+          <a:p>
+            <a:r>
+              <a:rPr lang="en-US" dirty="0"/>
+              <a:t>Convolution Neural Network and Long Short Term Memory for building the model using </a:t>
+            </a:r>
+            <a:r>
+              <a:rPr lang="en-US" dirty="0" err="1"/>
+              <a:t>Pytorch</a:t>
+            </a:r>
+            <a:r>
+              <a:rPr lang="en-US" dirty="0"/>
+              <a:t>. </a:t>
+            </a:r>
+          </a:p>
+          <a:p>
+            <a:r>
+              <a:rPr lang="en-US" dirty="0" err="1"/>
+              <a:t>Pytesseract</a:t>
+            </a:r>
+            <a:r>
+              <a:rPr lang="en-US" dirty="0"/>
+              <a:t>: Word level Extraction</a:t>
+            </a:r>
+          </a:p>
+          <a:p>
+            <a:r>
+              <a:rPr lang="en-US" dirty="0" err="1"/>
+              <a:t>Mltu</a:t>
+            </a:r>
+            <a:r>
+              <a:rPr lang="en-US" dirty="0"/>
+              <a:t>: for various tasks such as metrics, callbacks, preprocessing, transformers, augmentation.</a:t>
+            </a:r>
+          </a:p>
+        </p:txBody>
+      </p:sp>
+    </p:spTree>
+    <p:extLst>
+      <p:ext uri="{BB962C8B-B14F-4D97-AF65-F5344CB8AC3E}">
+        <p14:creationId xmlns:p14="http://schemas.microsoft.com/office/powerpoint/2010/main" val="3602360572"/>
+      </p:ext>
+    </p:extLst>
+  </p:cSld>
+  <p:clrMapOvr>
+    <a:masterClrMapping/>
+  </p:clrMapOvr>
+</p:sld>
+</file>
+
+<file path=ppt/slides/slide4.xml><?xml version="1.0" encoding="utf-8"?>
+<p:sld xmlns:a="http://schemas.openxmlformats.org/drawingml/2006/main" xmlns:r="http://schemas.openxmlformats.org/officeDocument/2006/relationships" xmlns:p="http://schemas.openxmlformats.org/presentationml/2006/main">
+  <p:cSld>
+    <p:spTree>
+      <p:nvGrpSpPr>
+        <p:cNvPr id="1" name=""/>
+        <p:cNvGrpSpPr/>
+        <p:nvPr/>
+      </p:nvGrpSpPr>
+      <p:grpSpPr>
+        <a:xfrm>
+          <a:off x="0" y="0"/>
+          <a:ext cx="0" cy="0"/>
+          <a:chOff x="0" y="0"/>
+          <a:chExt cx="0" cy="0"/>
+        </a:xfrm>
+      </p:grpSpPr>
+      <p:sp>
+        <p:nvSpPr>
+          <p:cNvPr id="2" name="Title 1">
+            <a:extLst>
+              <a:ext uri="{FF2B5EF4-FFF2-40B4-BE49-F238E27FC236}">
+                <a16:creationId xmlns:a16="http://schemas.microsoft.com/office/drawing/2014/main" id="{05F2A9FD-2733-4B17-239D-CCA44C23E073}"/>
+              </a:ext>
+            </a:extLst>
+          </p:cNvPr>
+          <p:cNvSpPr>
+            <a:spLocks noGrp="1"/>
+          </p:cNvSpPr>
+          <p:nvPr>
+            <p:ph type="title"/>
+          </p:nvPr>
+        </p:nvSpPr>
+        <p:spPr/>
+        <p:txBody>
+          <a:bodyPr/>
+          <a:lstStyle/>
+          <a:p>
+            <a:r>
+              <a:rPr lang="en-US" dirty="0"/>
+              <a:t>Word level Extraction</a:t>
+            </a:r>
+          </a:p>
+        </p:txBody>
+      </p:sp>
+      <p:sp>
+        <p:nvSpPr>
+          <p:cNvPr id="3" name="Picture Placeholder 2">
+            <a:extLst>
+              <a:ext uri="{FF2B5EF4-FFF2-40B4-BE49-F238E27FC236}">
+                <a16:creationId xmlns:a16="http://schemas.microsoft.com/office/drawing/2014/main" id="{3F2BC47B-CC27-7D1B-FF02-4EAD15C3555C}"/>
+              </a:ext>
+            </a:extLst>
+          </p:cNvPr>
+          <p:cNvSpPr>
+            <a:spLocks noGrp="1"/>
+          </p:cNvSpPr>
+          <p:nvPr>
+            <p:ph type="pic" idx="1"/>
+          </p:nvPr>
+        </p:nvSpPr>
+        <p:spPr/>
+      </p:sp>
+      <p:sp>
+        <p:nvSpPr>
+          <p:cNvPr id="4" name="Text Placeholder 3">
+            <a:extLst>
+              <a:ext uri="{FF2B5EF4-FFF2-40B4-BE49-F238E27FC236}">
+                <a16:creationId xmlns:a16="http://schemas.microsoft.com/office/drawing/2014/main" id="{7603E5A8-04DE-31D8-A675-4FD975A8978A}"/>
+              </a:ext>
+            </a:extLst>
+          </p:cNvPr>
+          <p:cNvSpPr>
+            <a:spLocks noGrp="1"/>
+          </p:cNvSpPr>
+          <p:nvPr>
+            <p:ph type="body" sz="half" idx="2"/>
+          </p:nvPr>
+        </p:nvSpPr>
+        <p:spPr/>
+        <p:txBody>
+          <a:bodyPr/>
+          <a:lstStyle/>
+          <a:p>
+            <a:r>
+              <a:rPr lang="en-US" dirty="0"/>
+              <a:t>For input into the model as the model is trained on word level.</a:t>
+            </a:r>
+          </a:p>
+          <a:p>
+            <a:endParaRPr lang="en-US" dirty="0"/>
+          </a:p>
+          <a:p>
+            <a:r>
+              <a:rPr lang="en-US" dirty="0"/>
+              <a:t>Output: “1 MOVE to stop Mr. Gait </a:t>
+            </a:r>
+            <a:r>
+              <a:rPr lang="en-US" dirty="0" err="1"/>
+              <a:t>kell</a:t>
+            </a:r>
+            <a:r>
+              <a:rPr lang="en-US" dirty="0"/>
+              <a:t> from”</a:t>
+            </a:r>
+          </a:p>
+        </p:txBody>
+      </p:sp>
+      <p:pic>
+        <p:nvPicPr>
+          <p:cNvPr id="8" name="Picture 7">
+            <a:extLst>
+              <a:ext uri="{FF2B5EF4-FFF2-40B4-BE49-F238E27FC236}">
+                <a16:creationId xmlns:a16="http://schemas.microsoft.com/office/drawing/2014/main" id="{0C2F6771-D5A0-231D-BF48-C6942BE934B8}"/>
+              </a:ext>
+            </a:extLst>
+          </p:cNvPr>
+          <p:cNvPicPr>
+            <a:picLocks noChangeAspect="1"/>
+          </p:cNvPicPr>
+          <p:nvPr/>
+        </p:nvPicPr>
+        <p:blipFill>
+          <a:blip r:embed="rId2"/>
+          <a:stretch>
+            <a:fillRect/>
+          </a:stretch>
+        </p:blipFill>
+        <p:spPr>
+          <a:xfrm>
+            <a:off x="5611958" y="996950"/>
+            <a:ext cx="5314660" cy="4996334"/>
+          </a:xfrm>
+          <a:prstGeom prst="rect">
+            <a:avLst/>
+          </a:prstGeom>
+        </p:spPr>
+      </p:pic>
+    </p:spTree>
+    <p:extLst>
+      <p:ext uri="{BB962C8B-B14F-4D97-AF65-F5344CB8AC3E}">
+        <p14:creationId xmlns:p14="http://schemas.microsoft.com/office/powerpoint/2010/main" val="3260944024"/>
+      </p:ext>
+    </p:extLst>
+  </p:cSld>
+  <p:clrMapOvr>
+    <a:masterClrMapping/>
+  </p:clrMapOvr>
+</p:sld>
+</file>
+
+<file path=ppt/slides/slide5.xml><?xml version="1.0" encoding="utf-8"?>
+<p:sld xmlns:a="http://schemas.openxmlformats.org/drawingml/2006/main" xmlns:r="http://schemas.openxmlformats.org/officeDocument/2006/relationships" xmlns:p="http://schemas.openxmlformats.org/presentationml/2006/main">
+  <p:cSld>
+    <p:spTree>
+      <p:nvGrpSpPr>
+        <p:cNvPr id="1" name=""/>
+        <p:cNvGrpSpPr/>
+        <p:nvPr/>
+      </p:nvGrpSpPr>
+      <p:grpSpPr>
+        <a:xfrm>
+          <a:off x="0" y="0"/>
+          <a:ext cx="0" cy="0"/>
+          <a:chOff x="0" y="0"/>
+          <a:chExt cx="0" cy="0"/>
+        </a:xfrm>
+      </p:grpSpPr>
+    </p:spTree>
+    <p:extLst>
+      <p:ext uri="{BB962C8B-B14F-4D97-AF65-F5344CB8AC3E}">
+        <p14:creationId xmlns:p14="http://schemas.microsoft.com/office/powerpoint/2010/main" val="1805529673"/>
       </p:ext>
     </p:extLst>
   </p:cSld>
